--- a/中間発表/bq16048-ゼミ合宿_関_パワポｗ.pptx
+++ b/中間発表/bq16048-ゼミ合宿_関_パワポｗ.pptx
@@ -839,7 +839,7 @@
           <a:p>
             <a:fld id="{D62E54BB-EC33-406F-9547-5B4FD4B59F01}" type="datetimeFigureOut">
               <a:rPr kumimoji="1" lang="ja-JP" altLang="en-US" smtClean="0"/>
-              <a:t>2019/6/19</a:t>
+              <a:t>2019/6/25</a:t>
             </a:fld>
             <a:endParaRPr kumimoji="1" lang="ja-JP" altLang="en-US"/>
           </a:p>
@@ -1075,7 +1075,7 @@
           <a:p>
             <a:fld id="{D62E54BB-EC33-406F-9547-5B4FD4B59F01}" type="datetimeFigureOut">
               <a:rPr kumimoji="1" lang="ja-JP" altLang="en-US" smtClean="0"/>
-              <a:t>2019/6/19</a:t>
+              <a:t>2019/6/25</a:t>
             </a:fld>
             <a:endParaRPr kumimoji="1" lang="ja-JP" altLang="en-US"/>
           </a:p>
@@ -1711,7 +1711,7 @@
           <a:p>
             <a:fld id="{D62E54BB-EC33-406F-9547-5B4FD4B59F01}" type="datetimeFigureOut">
               <a:rPr kumimoji="1" lang="ja-JP" altLang="en-US" smtClean="0"/>
-              <a:t>2019/6/19</a:t>
+              <a:t>2019/6/25</a:t>
             </a:fld>
             <a:endParaRPr kumimoji="1" lang="ja-JP" altLang="en-US"/>
           </a:p>
@@ -2031,7 +2031,7 @@
           <a:p>
             <a:fld id="{D62E54BB-EC33-406F-9547-5B4FD4B59F01}" type="datetimeFigureOut">
               <a:rPr kumimoji="1" lang="ja-JP" altLang="en-US" smtClean="0"/>
-              <a:t>2019/6/19</a:t>
+              <a:t>2019/6/25</a:t>
             </a:fld>
             <a:endParaRPr kumimoji="1" lang="ja-JP" altLang="en-US"/>
           </a:p>
@@ -2486,7 +2486,7 @@
           <a:p>
             <a:fld id="{D62E54BB-EC33-406F-9547-5B4FD4B59F01}" type="datetimeFigureOut">
               <a:rPr kumimoji="1" lang="ja-JP" altLang="en-US" smtClean="0"/>
-              <a:t>2019/6/19</a:t>
+              <a:t>2019/6/25</a:t>
             </a:fld>
             <a:endParaRPr kumimoji="1" lang="ja-JP" altLang="en-US"/>
           </a:p>
@@ -2628,7 +2628,7 @@
           <a:p>
             <a:fld id="{D62E54BB-EC33-406F-9547-5B4FD4B59F01}" type="datetimeFigureOut">
               <a:rPr kumimoji="1" lang="ja-JP" altLang="en-US" smtClean="0"/>
-              <a:t>2019/6/19</a:t>
+              <a:t>2019/6/25</a:t>
             </a:fld>
             <a:endParaRPr kumimoji="1" lang="ja-JP" altLang="en-US"/>
           </a:p>
@@ -2747,7 +2747,7 @@
           <a:p>
             <a:fld id="{D62E54BB-EC33-406F-9547-5B4FD4B59F01}" type="datetimeFigureOut">
               <a:rPr kumimoji="1" lang="ja-JP" altLang="en-US" smtClean="0"/>
-              <a:t>2019/6/19</a:t>
+              <a:t>2019/6/25</a:t>
             </a:fld>
             <a:endParaRPr kumimoji="1" lang="ja-JP" altLang="en-US"/>
           </a:p>
@@ -3080,7 +3080,7 @@
           <a:p>
             <a:fld id="{D62E54BB-EC33-406F-9547-5B4FD4B59F01}" type="datetimeFigureOut">
               <a:rPr kumimoji="1" lang="ja-JP" altLang="en-US" smtClean="0"/>
-              <a:t>2019/6/19</a:t>
+              <a:t>2019/6/25</a:t>
             </a:fld>
             <a:endParaRPr kumimoji="1" lang="ja-JP" altLang="en-US"/>
           </a:p>
@@ -3361,7 +3361,7 @@
           <a:p>
             <a:fld id="{D62E54BB-EC33-406F-9547-5B4FD4B59F01}" type="datetimeFigureOut">
               <a:rPr kumimoji="1" lang="ja-JP" altLang="en-US" smtClean="0"/>
-              <a:t>2019/6/19</a:t>
+              <a:t>2019/6/25</a:t>
             </a:fld>
             <a:endParaRPr kumimoji="1" lang="ja-JP" altLang="en-US"/>
           </a:p>
@@ -14088,8 +14088,8 @@
           </a:p>
         </p:txBody>
       </p:sp>
-      <mc:AlternateContent xmlns:mc="http://schemas.openxmlformats.org/markup-compatibility/2006">
-        <mc:Choice xmlns:a14="http://schemas.microsoft.com/office/drawing/2010/main" Requires="a14">
+      <mc:AlternateContent xmlns:mc="http://schemas.openxmlformats.org/markup-compatibility/2006" xmlns:a14="http://schemas.microsoft.com/office/drawing/2010/main">
+        <mc:Choice Requires="a14">
           <p:sp>
             <p:nvSpPr>
               <p:cNvPr id="36" name="正方形/長方形 35">
@@ -14472,7 +14472,7 @@
             </p:txBody>
           </p:sp>
         </mc:Choice>
-        <mc:Fallback>
+        <mc:Fallback xmlns="">
           <p:sp>
             <p:nvSpPr>
               <p:cNvPr id="36" name="正方形/長方形 35">
